--- a/Präsentation/Präsentation_UnityUnit.pptx
+++ b/Präsentation/Präsentation_UnityUnit.pptx
@@ -109,6 +109,11 @@
       </a:defRPr>
     </a:lvl9pPr>
   </p:defaultTextStyle>
+  <p:extLst>
+    <p:ext uri="{EFAFB233-063F-42B5-8137-9DF3F51BA10A}">
+      <p15:sldGuideLst xmlns:p15="http://schemas.microsoft.com/office/powerpoint/2012/main"/>
+    </p:ext>
+  </p:extLst>
 </p:presentation>
 </file>
 
@@ -614,7 +619,7 @@
           <a:p>
             <a:fld id="{4CDBD92E-E5DF-4C03-8932-96208F60C358}" type="datetimeFigureOut">
               <a:rPr lang="de-DE" smtClean="0"/>
-              <a:t>19.01.2021</a:t>
+              <a:t>20.01.2021</a:t>
             </a:fld>
             <a:endParaRPr lang="de-DE"/>
           </a:p>
@@ -910,7 +915,7 @@
           <a:p>
             <a:fld id="{4CDBD92E-E5DF-4C03-8932-96208F60C358}" type="datetimeFigureOut">
               <a:rPr lang="de-DE" smtClean="0"/>
-              <a:t>19.01.2021</a:t>
+              <a:t>20.01.2021</a:t>
             </a:fld>
             <a:endParaRPr lang="de-DE"/>
           </a:p>
@@ -1158,7 +1163,7 @@
           <a:p>
             <a:fld id="{4CDBD92E-E5DF-4C03-8932-96208F60C358}" type="datetimeFigureOut">
               <a:rPr lang="de-DE" smtClean="0"/>
-              <a:t>19.01.2021</a:t>
+              <a:t>20.01.2021</a:t>
             </a:fld>
             <a:endParaRPr lang="de-DE"/>
           </a:p>
@@ -1698,7 +1703,7 @@
           <a:p>
             <a:fld id="{4CDBD92E-E5DF-4C03-8932-96208F60C358}" type="datetimeFigureOut">
               <a:rPr lang="de-DE" smtClean="0"/>
-              <a:t>19.01.2021</a:t>
+              <a:t>20.01.2021</a:t>
             </a:fld>
             <a:endParaRPr lang="de-DE"/>
           </a:p>
@@ -1946,7 +1951,7 @@
           <a:p>
             <a:fld id="{4CDBD92E-E5DF-4C03-8932-96208F60C358}" type="datetimeFigureOut">
               <a:rPr lang="de-DE" smtClean="0"/>
-              <a:t>19.01.2021</a:t>
+              <a:t>20.01.2021</a:t>
             </a:fld>
             <a:endParaRPr lang="de-DE"/>
           </a:p>
@@ -2478,7 +2483,7 @@
           <a:p>
             <a:fld id="{4CDBD92E-E5DF-4C03-8932-96208F60C358}" type="datetimeFigureOut">
               <a:rPr lang="de-DE" smtClean="0"/>
-              <a:t>19.01.2021</a:t>
+              <a:t>20.01.2021</a:t>
             </a:fld>
             <a:endParaRPr lang="de-DE"/>
           </a:p>
@@ -2775,7 +2780,7 @@
           <a:p>
             <a:fld id="{4CDBD92E-E5DF-4C03-8932-96208F60C358}" type="datetimeFigureOut">
               <a:rPr lang="de-DE" smtClean="0"/>
-              <a:t>19.01.2021</a:t>
+              <a:t>20.01.2021</a:t>
             </a:fld>
             <a:endParaRPr lang="de-DE"/>
           </a:p>
@@ -2949,7 +2954,7 @@
           <a:p>
             <a:fld id="{4CDBD92E-E5DF-4C03-8932-96208F60C358}" type="datetimeFigureOut">
               <a:rPr lang="de-DE" smtClean="0"/>
-              <a:t>19.01.2021</a:t>
+              <a:t>20.01.2021</a:t>
             </a:fld>
             <a:endParaRPr lang="de-DE"/>
           </a:p>
@@ -3129,7 +3134,7 @@
           <a:p>
             <a:fld id="{4CDBD92E-E5DF-4C03-8932-96208F60C358}" type="datetimeFigureOut">
               <a:rPr lang="de-DE" smtClean="0"/>
-              <a:t>19.01.2021</a:t>
+              <a:t>20.01.2021</a:t>
             </a:fld>
             <a:endParaRPr lang="de-DE"/>
           </a:p>
@@ -3299,7 +3304,7 @@
           <a:p>
             <a:fld id="{4CDBD92E-E5DF-4C03-8932-96208F60C358}" type="datetimeFigureOut">
               <a:rPr lang="de-DE" smtClean="0"/>
-              <a:t>19.01.2021</a:t>
+              <a:t>20.01.2021</a:t>
             </a:fld>
             <a:endParaRPr lang="de-DE"/>
           </a:p>
@@ -3550,7 +3555,7 @@
           <a:p>
             <a:fld id="{4CDBD92E-E5DF-4C03-8932-96208F60C358}" type="datetimeFigureOut">
               <a:rPr lang="de-DE" smtClean="0"/>
-              <a:t>19.01.2021</a:t>
+              <a:t>20.01.2021</a:t>
             </a:fld>
             <a:endParaRPr lang="de-DE"/>
           </a:p>
@@ -3847,7 +3852,7 @@
           <a:p>
             <a:fld id="{4CDBD92E-E5DF-4C03-8932-96208F60C358}" type="datetimeFigureOut">
               <a:rPr lang="de-DE" smtClean="0"/>
-              <a:t>19.01.2021</a:t>
+              <a:t>20.01.2021</a:t>
             </a:fld>
             <a:endParaRPr lang="de-DE"/>
           </a:p>
@@ -4289,7 +4294,7 @@
           <a:p>
             <a:fld id="{4CDBD92E-E5DF-4C03-8932-96208F60C358}" type="datetimeFigureOut">
               <a:rPr lang="de-DE" smtClean="0"/>
-              <a:t>19.01.2021</a:t>
+              <a:t>20.01.2021</a:t>
             </a:fld>
             <a:endParaRPr lang="de-DE"/>
           </a:p>
@@ -4407,7 +4412,7 @@
           <a:p>
             <a:fld id="{4CDBD92E-E5DF-4C03-8932-96208F60C358}" type="datetimeFigureOut">
               <a:rPr lang="de-DE" smtClean="0"/>
-              <a:t>19.01.2021</a:t>
+              <a:t>20.01.2021</a:t>
             </a:fld>
             <a:endParaRPr lang="de-DE"/>
           </a:p>
@@ -4502,7 +4507,7 @@
           <a:p>
             <a:fld id="{4CDBD92E-E5DF-4C03-8932-96208F60C358}" type="datetimeFigureOut">
               <a:rPr lang="de-DE" smtClean="0"/>
-              <a:t>19.01.2021</a:t>
+              <a:t>20.01.2021</a:t>
             </a:fld>
             <a:endParaRPr lang="de-DE"/>
           </a:p>
@@ -4785,7 +4790,7 @@
           <a:p>
             <a:fld id="{4CDBD92E-E5DF-4C03-8932-96208F60C358}" type="datetimeFigureOut">
               <a:rPr lang="de-DE" smtClean="0"/>
-              <a:t>19.01.2021</a:t>
+              <a:t>20.01.2021</a:t>
             </a:fld>
             <a:endParaRPr lang="de-DE"/>
           </a:p>
@@ -5076,7 +5081,7 @@
           <a:p>
             <a:fld id="{4CDBD92E-E5DF-4C03-8932-96208F60C358}" type="datetimeFigureOut">
               <a:rPr lang="de-DE" smtClean="0"/>
-              <a:t>19.01.2021</a:t>
+              <a:t>20.01.2021</a:t>
             </a:fld>
             <a:endParaRPr lang="de-DE"/>
           </a:p>
@@ -5606,7 +5611,7 @@
           <a:p>
             <a:fld id="{4CDBD92E-E5DF-4C03-8932-96208F60C358}" type="datetimeFigureOut">
               <a:rPr lang="de-DE" smtClean="0"/>
-              <a:t>19.01.2021</a:t>
+              <a:t>20.01.2021</a:t>
             </a:fld>
             <a:endParaRPr lang="de-DE"/>
           </a:p>
@@ -6712,6 +6717,16 @@
           <a:bodyPr/>
           <a:lstStyle/>
           <a:p>
+            <a:r>
+              <a:rPr lang="de-DE" dirty="0"/>
+              <a:t>Konsequentere Arbeitsweise als Team</a:t>
+            </a:r>
+          </a:p>
+          <a:p>
+            <a:r>
+              <a:rPr lang="de-DE"/>
+              <a:t>Häufigere Kommunikation im Team</a:t>
+            </a:r>
             <a:endParaRPr lang="de-DE" dirty="0"/>
           </a:p>
         </p:txBody>

--- a/Präsentation/Präsentation_UnityUnit.pptx
+++ b/Präsentation/Präsentation_UnityUnit.pptx
@@ -6,11 +6,18 @@
   </p:sldMasterIdLst>
   <p:sldIdLst>
     <p:sldId id="257" r:id="rId2"/>
-    <p:sldId id="258" r:id="rId3"/>
-    <p:sldId id="259" r:id="rId4"/>
-    <p:sldId id="260" r:id="rId5"/>
-    <p:sldId id="262" r:id="rId6"/>
-    <p:sldId id="261" r:id="rId7"/>
+    <p:sldId id="263" r:id="rId3"/>
+    <p:sldId id="258" r:id="rId4"/>
+    <p:sldId id="259" r:id="rId5"/>
+    <p:sldId id="260" r:id="rId6"/>
+    <p:sldId id="262" r:id="rId7"/>
+    <p:sldId id="266" r:id="rId8"/>
+    <p:sldId id="265" r:id="rId9"/>
+    <p:sldId id="264" r:id="rId10"/>
+    <p:sldId id="268" r:id="rId11"/>
+    <p:sldId id="267" r:id="rId12"/>
+    <p:sldId id="261" r:id="rId13"/>
+    <p:sldId id="269" r:id="rId14"/>
   </p:sldIdLst>
   <p:sldSz cx="12192000" cy="6858000"/>
   <p:notesSz cx="6858000" cy="9144000"/>
@@ -6241,6 +6248,389 @@
 </p:sld>
 </file>
 
+<file path=ppt/slides/slide10.xml><?xml version="1.0" encoding="utf-8"?>
+<p:sld xmlns:a="http://schemas.openxmlformats.org/drawingml/2006/main" xmlns:r="http://schemas.openxmlformats.org/officeDocument/2006/relationships" xmlns:p="http://schemas.openxmlformats.org/presentationml/2006/main">
+  <p:cSld>
+    <p:spTree>
+      <p:nvGrpSpPr>
+        <p:cNvPr id="1" name=""/>
+        <p:cNvGrpSpPr/>
+        <p:nvPr/>
+      </p:nvGrpSpPr>
+      <p:grpSpPr>
+        <a:xfrm>
+          <a:off x="0" y="0"/>
+          <a:ext cx="0" cy="0"/>
+          <a:chOff x="0" y="0"/>
+          <a:chExt cx="0" cy="0"/>
+        </a:xfrm>
+      </p:grpSpPr>
+      <p:sp>
+        <p:nvSpPr>
+          <p:cNvPr id="2" name="Title 1">
+            <a:extLst>
+              <a:ext uri="{FF2B5EF4-FFF2-40B4-BE49-F238E27FC236}">
+                <a16:creationId xmlns:a16="http://schemas.microsoft.com/office/drawing/2014/main" id="{5ED6990C-800A-4F4D-B882-FAB899FCABE5}"/>
+              </a:ext>
+            </a:extLst>
+          </p:cNvPr>
+          <p:cNvSpPr>
+            <a:spLocks noGrp="1"/>
+          </p:cNvSpPr>
+          <p:nvPr>
+            <p:ph type="title"/>
+          </p:nvPr>
+        </p:nvSpPr>
+        <p:spPr/>
+        <p:txBody>
+          <a:bodyPr/>
+          <a:lstStyle/>
+          <a:p>
+            <a:r>
+              <a:rPr lang="de-DE" dirty="0"/>
+              <a:t>Nasser Awad</a:t>
+            </a:r>
+          </a:p>
+        </p:txBody>
+      </p:sp>
+      <p:sp>
+        <p:nvSpPr>
+          <p:cNvPr id="3" name="Content Placeholder 2">
+            <a:extLst>
+              <a:ext uri="{FF2B5EF4-FFF2-40B4-BE49-F238E27FC236}">
+                <a16:creationId xmlns:a16="http://schemas.microsoft.com/office/drawing/2014/main" id="{0E644577-ECD2-43D8-A964-4F3FA0C4F51C}"/>
+              </a:ext>
+            </a:extLst>
+          </p:cNvPr>
+          <p:cNvSpPr>
+            <a:spLocks noGrp="1"/>
+          </p:cNvSpPr>
+          <p:nvPr>
+            <p:ph idx="1"/>
+          </p:nvPr>
+        </p:nvSpPr>
+        <p:spPr/>
+        <p:txBody>
+          <a:bodyPr/>
+          <a:lstStyle/>
+          <a:p>
+            <a:r>
+              <a:rPr lang="de-DE" dirty="0"/>
+              <a:t>Bus Modellierung</a:t>
+            </a:r>
+          </a:p>
+          <a:p>
+            <a:r>
+              <a:rPr lang="de-DE" dirty="0"/>
+              <a:t>Haupt- und Pausenmenü</a:t>
+            </a:r>
+          </a:p>
+          <a:p>
+            <a:r>
+              <a:rPr lang="de-DE" dirty="0"/>
+              <a:t>Speichern und Laden</a:t>
+            </a:r>
+          </a:p>
+        </p:txBody>
+      </p:sp>
+    </p:spTree>
+    <p:extLst>
+      <p:ext uri="{BB962C8B-B14F-4D97-AF65-F5344CB8AC3E}">
+        <p14:creationId xmlns:p14="http://schemas.microsoft.com/office/powerpoint/2010/main" val="1448869639"/>
+      </p:ext>
+    </p:extLst>
+  </p:cSld>
+  <p:clrMapOvr>
+    <a:masterClrMapping/>
+  </p:clrMapOvr>
+</p:sld>
+</file>
+
+<file path=ppt/slides/slide11.xml><?xml version="1.0" encoding="utf-8"?>
+<p:sld xmlns:a="http://schemas.openxmlformats.org/drawingml/2006/main" xmlns:r="http://schemas.openxmlformats.org/officeDocument/2006/relationships" xmlns:p="http://schemas.openxmlformats.org/presentationml/2006/main">
+  <p:cSld>
+    <p:spTree>
+      <p:nvGrpSpPr>
+        <p:cNvPr id="1" name=""/>
+        <p:cNvGrpSpPr/>
+        <p:nvPr/>
+      </p:nvGrpSpPr>
+      <p:grpSpPr>
+        <a:xfrm>
+          <a:off x="0" y="0"/>
+          <a:ext cx="0" cy="0"/>
+          <a:chOff x="0" y="0"/>
+          <a:chExt cx="0" cy="0"/>
+        </a:xfrm>
+      </p:grpSpPr>
+      <p:sp>
+        <p:nvSpPr>
+          <p:cNvPr id="2" name="Title 1">
+            <a:extLst>
+              <a:ext uri="{FF2B5EF4-FFF2-40B4-BE49-F238E27FC236}">
+                <a16:creationId xmlns:a16="http://schemas.microsoft.com/office/drawing/2014/main" id="{EC5357F3-B55D-4B8A-8DF8-C6AC50B308B2}"/>
+              </a:ext>
+            </a:extLst>
+          </p:cNvPr>
+          <p:cNvSpPr>
+            <a:spLocks noGrp="1"/>
+          </p:cNvSpPr>
+          <p:nvPr>
+            <p:ph type="title"/>
+          </p:nvPr>
+        </p:nvSpPr>
+        <p:spPr/>
+        <p:txBody>
+          <a:bodyPr/>
+          <a:lstStyle/>
+          <a:p>
+            <a:r>
+              <a:rPr lang="de-DE" dirty="0"/>
+              <a:t>Sascha Wickramasinghe</a:t>
+            </a:r>
+          </a:p>
+        </p:txBody>
+      </p:sp>
+      <p:sp>
+        <p:nvSpPr>
+          <p:cNvPr id="3" name="Content Placeholder 2">
+            <a:extLst>
+              <a:ext uri="{FF2B5EF4-FFF2-40B4-BE49-F238E27FC236}">
+                <a16:creationId xmlns:a16="http://schemas.microsoft.com/office/drawing/2014/main" id="{4B378219-D75B-4388-BF4B-49F47CE6ABB3}"/>
+              </a:ext>
+            </a:extLst>
+          </p:cNvPr>
+          <p:cNvSpPr>
+            <a:spLocks noGrp="1"/>
+          </p:cNvSpPr>
+          <p:nvPr>
+            <p:ph idx="1"/>
+          </p:nvPr>
+        </p:nvSpPr>
+        <p:spPr/>
+        <p:txBody>
+          <a:bodyPr/>
+          <a:lstStyle/>
+          <a:p>
+            <a:r>
+              <a:rPr lang="de-DE" dirty="0"/>
+              <a:t>Rotation der Stationen beim platzieren</a:t>
+            </a:r>
+          </a:p>
+          <a:p>
+            <a:r>
+              <a:rPr lang="de-DE" dirty="0"/>
+              <a:t>Laden von mehreren Dateien (noch nicht fertig)</a:t>
+            </a:r>
+          </a:p>
+        </p:txBody>
+      </p:sp>
+    </p:spTree>
+    <p:extLst>
+      <p:ext uri="{BB962C8B-B14F-4D97-AF65-F5344CB8AC3E}">
+        <p14:creationId xmlns:p14="http://schemas.microsoft.com/office/powerpoint/2010/main" val="1874961489"/>
+      </p:ext>
+    </p:extLst>
+  </p:cSld>
+  <p:clrMapOvr>
+    <a:masterClrMapping/>
+  </p:clrMapOvr>
+</p:sld>
+</file>
+
+<file path=ppt/slides/slide12.xml><?xml version="1.0" encoding="utf-8"?>
+<p:sld xmlns:a="http://schemas.openxmlformats.org/drawingml/2006/main" xmlns:r="http://schemas.openxmlformats.org/officeDocument/2006/relationships" xmlns:p="http://schemas.openxmlformats.org/presentationml/2006/main">
+  <p:cSld>
+    <p:spTree>
+      <p:nvGrpSpPr>
+        <p:cNvPr id="1" name=""/>
+        <p:cNvGrpSpPr/>
+        <p:nvPr/>
+      </p:nvGrpSpPr>
+      <p:grpSpPr>
+        <a:xfrm>
+          <a:off x="0" y="0"/>
+          <a:ext cx="0" cy="0"/>
+          <a:chOff x="0" y="0"/>
+          <a:chExt cx="0" cy="0"/>
+        </a:xfrm>
+      </p:grpSpPr>
+      <p:sp>
+        <p:nvSpPr>
+          <p:cNvPr id="2" name="Title 1">
+            <a:extLst>
+              <a:ext uri="{FF2B5EF4-FFF2-40B4-BE49-F238E27FC236}">
+                <a16:creationId xmlns:a16="http://schemas.microsoft.com/office/drawing/2014/main" id="{BCD70E67-47C3-4FC7-9E14-7C223507EE5C}"/>
+              </a:ext>
+            </a:extLst>
+          </p:cNvPr>
+          <p:cNvSpPr>
+            <a:spLocks noGrp="1"/>
+          </p:cNvSpPr>
+          <p:nvPr>
+            <p:ph type="title"/>
+          </p:nvPr>
+        </p:nvSpPr>
+        <p:spPr/>
+        <p:txBody>
+          <a:bodyPr/>
+          <a:lstStyle/>
+          <a:p>
+            <a:r>
+              <a:rPr lang="de-DE" dirty="0"/>
+              <a:t>Fazit</a:t>
+            </a:r>
+          </a:p>
+        </p:txBody>
+      </p:sp>
+      <p:sp>
+        <p:nvSpPr>
+          <p:cNvPr id="3" name="Content Placeholder 2">
+            <a:extLst>
+              <a:ext uri="{FF2B5EF4-FFF2-40B4-BE49-F238E27FC236}">
+                <a16:creationId xmlns:a16="http://schemas.microsoft.com/office/drawing/2014/main" id="{BA06D859-D96B-45B6-AA51-747CFD8BA496}"/>
+              </a:ext>
+            </a:extLst>
+          </p:cNvPr>
+          <p:cNvSpPr>
+            <a:spLocks noGrp="1"/>
+          </p:cNvSpPr>
+          <p:nvPr>
+            <p:ph idx="1"/>
+          </p:nvPr>
+        </p:nvSpPr>
+        <p:spPr/>
+        <p:txBody>
+          <a:bodyPr/>
+          <a:lstStyle/>
+          <a:p>
+            <a:r>
+              <a:rPr lang="de-DE" dirty="0"/>
+              <a:t>Konsequentere Arbeitsweise als Team</a:t>
+            </a:r>
+          </a:p>
+          <a:p>
+            <a:r>
+              <a:rPr lang="de-DE" dirty="0"/>
+              <a:t>Häufigere Kommunikation im Team</a:t>
+            </a:r>
+          </a:p>
+          <a:p>
+            <a:r>
+              <a:rPr lang="de-DE" dirty="0"/>
+              <a:t>Spannendes + schwieriges Thema VR</a:t>
+            </a:r>
+          </a:p>
+          <a:p>
+            <a:r>
+              <a:rPr lang="de-DE" dirty="0"/>
+              <a:t>Erfahrung mit Unity</a:t>
+            </a:r>
+          </a:p>
+        </p:txBody>
+      </p:sp>
+    </p:spTree>
+    <p:extLst>
+      <p:ext uri="{BB962C8B-B14F-4D97-AF65-F5344CB8AC3E}">
+        <p14:creationId xmlns:p14="http://schemas.microsoft.com/office/powerpoint/2010/main" val="584069063"/>
+      </p:ext>
+    </p:extLst>
+  </p:cSld>
+  <p:clrMapOvr>
+    <a:masterClrMapping/>
+  </p:clrMapOvr>
+</p:sld>
+</file>
+
+<file path=ppt/slides/slide13.xml><?xml version="1.0" encoding="utf-8"?>
+<p:sld xmlns:a="http://schemas.openxmlformats.org/drawingml/2006/main" xmlns:r="http://schemas.openxmlformats.org/officeDocument/2006/relationships" xmlns:p="http://schemas.openxmlformats.org/presentationml/2006/main">
+  <p:cSld>
+    <p:spTree>
+      <p:nvGrpSpPr>
+        <p:cNvPr id="1" name=""/>
+        <p:cNvGrpSpPr/>
+        <p:nvPr/>
+      </p:nvGrpSpPr>
+      <p:grpSpPr>
+        <a:xfrm>
+          <a:off x="0" y="0"/>
+          <a:ext cx="0" cy="0"/>
+          <a:chOff x="0" y="0"/>
+          <a:chExt cx="0" cy="0"/>
+        </a:xfrm>
+      </p:grpSpPr>
+      <p:sp>
+        <p:nvSpPr>
+          <p:cNvPr id="2" name="Title 1">
+            <a:extLst>
+              <a:ext uri="{FF2B5EF4-FFF2-40B4-BE49-F238E27FC236}">
+                <a16:creationId xmlns:a16="http://schemas.microsoft.com/office/drawing/2014/main" id="{AF59E064-9F14-4ADF-B826-DC618B90EFAB}"/>
+              </a:ext>
+            </a:extLst>
+          </p:cNvPr>
+          <p:cNvSpPr>
+            <a:spLocks noGrp="1"/>
+          </p:cNvSpPr>
+          <p:nvPr>
+            <p:ph type="title"/>
+          </p:nvPr>
+        </p:nvSpPr>
+        <p:spPr/>
+        <p:txBody>
+          <a:bodyPr/>
+          <a:lstStyle/>
+          <a:p>
+            <a:r>
+              <a:rPr lang="de-DE" dirty="0"/>
+              <a:t>Vielen Dank für ihre Aufmerksamkeit</a:t>
+            </a:r>
+          </a:p>
+        </p:txBody>
+      </p:sp>
+      <p:sp>
+        <p:nvSpPr>
+          <p:cNvPr id="3" name="Content Placeholder 2">
+            <a:extLst>
+              <a:ext uri="{FF2B5EF4-FFF2-40B4-BE49-F238E27FC236}">
+                <a16:creationId xmlns:a16="http://schemas.microsoft.com/office/drawing/2014/main" id="{3F683183-71C7-45B6-A312-BB70AF6C9379}"/>
+              </a:ext>
+            </a:extLst>
+          </p:cNvPr>
+          <p:cNvSpPr>
+            <a:spLocks noGrp="1"/>
+          </p:cNvSpPr>
+          <p:nvPr>
+            <p:ph idx="1"/>
+          </p:nvPr>
+        </p:nvSpPr>
+        <p:spPr/>
+        <p:txBody>
+          <a:bodyPr>
+            <a:normAutofit/>
+          </a:bodyPr>
+          <a:lstStyle/>
+          <a:p>
+            <a:pPr algn="ctr"/>
+            <a:r>
+              <a:rPr lang="de-DE" sz="4800" dirty="0"/>
+              <a:t>Fragen?</a:t>
+            </a:r>
+          </a:p>
+        </p:txBody>
+      </p:sp>
+    </p:spTree>
+    <p:extLst>
+      <p:ext uri="{BB962C8B-B14F-4D97-AF65-F5344CB8AC3E}">
+        <p14:creationId xmlns:p14="http://schemas.microsoft.com/office/powerpoint/2010/main" val="1688752123"/>
+      </p:ext>
+    </p:extLst>
+  </p:cSld>
+  <p:clrMapOvr>
+    <a:masterClrMapping/>
+  </p:clrMapOvr>
+</p:sld>
+</file>
+
 <file path=ppt/slides/slide2.xml><?xml version="1.0" encoding="utf-8"?>
 <p:sld xmlns:a="http://schemas.openxmlformats.org/drawingml/2006/main" xmlns:r="http://schemas.openxmlformats.org/officeDocument/2006/relationships" xmlns:p="http://schemas.openxmlformats.org/presentationml/2006/main">
   <p:cSld>
@@ -6263,7 +6653,7 @@
           <p:cNvPr id="2" name="Title 1">
             <a:extLst>
               <a:ext uri="{FF2B5EF4-FFF2-40B4-BE49-F238E27FC236}">
-                <a16:creationId xmlns:a16="http://schemas.microsoft.com/office/drawing/2014/main" id="{764A962C-8FD6-47E0-BFC0-031775A42A30}"/>
+                <a16:creationId xmlns:a16="http://schemas.microsoft.com/office/drawing/2014/main" id="{BAE8C09D-66FD-47CA-9E3A-3D633BD5A93E}"/>
               </a:ext>
             </a:extLst>
           </p:cNvPr>
@@ -6281,7 +6671,7 @@
           <a:p>
             <a:r>
               <a:rPr lang="de-DE" dirty="0"/>
-              <a:t>Organisation</a:t>
+              <a:t>Rollenverteilung</a:t>
             </a:r>
           </a:p>
         </p:txBody>
@@ -6291,7 +6681,7 @@
           <p:cNvPr id="3" name="Content Placeholder 2">
             <a:extLst>
               <a:ext uri="{FF2B5EF4-FFF2-40B4-BE49-F238E27FC236}">
-                <a16:creationId xmlns:a16="http://schemas.microsoft.com/office/drawing/2014/main" id="{C9713579-1CA0-4A85-8D19-E7E8103D4F16}"/>
+                <a16:creationId xmlns:a16="http://schemas.microsoft.com/office/drawing/2014/main" id="{31E1BB13-7BA3-417B-B2B3-157EF27E448F}"/>
               </a:ext>
             </a:extLst>
           </p:cNvPr>
@@ -6305,47 +6695,60 @@
         <p:spPr/>
         <p:txBody>
           <a:bodyPr>
-            <a:normAutofit/>
+            <a:normAutofit fontScale="92500" lnSpcReduction="20000"/>
           </a:bodyPr>
           <a:lstStyle/>
           <a:p>
             <a:r>
               <a:rPr lang="de-DE" dirty="0"/>
-              <a:t>Projektverwaltung</a:t>
+              <a:t>Scrum Master: Germo Götz</a:t>
+            </a:r>
+          </a:p>
+          <a:p>
+            <a:r>
+              <a:rPr lang="de-DE" dirty="0"/>
+              <a:t>Project Owner: Nicolai Titze</a:t>
+            </a:r>
+          </a:p>
+          <a:p>
+            <a:r>
+              <a:rPr lang="de-DE" dirty="0"/>
+              <a:t>Developer Team:</a:t>
             </a:r>
           </a:p>
           <a:p>
             <a:pPr lvl="1"/>
             <a:r>
               <a:rPr lang="de-DE" dirty="0"/>
-              <a:t>Github</a:t>
+              <a:t>Jan Krebes</a:t>
             </a:r>
           </a:p>
           <a:p>
             <a:pPr lvl="1"/>
             <a:r>
               <a:rPr lang="de-DE" dirty="0"/>
-              <a:t>Jira</a:t>
-            </a:r>
-          </a:p>
-          <a:p>
+              <a:t>Nicolai Titze</a:t>
+            </a:r>
+          </a:p>
+          <a:p>
+            <a:pPr lvl="1"/>
             <a:r>
               <a:rPr lang="de-DE" dirty="0"/>
-              <a:t>Kommunikation</a:t>
+              <a:t>Sascha Wickramasinghe, </a:t>
             </a:r>
           </a:p>
           <a:p>
             <a:pPr lvl="1"/>
             <a:r>
               <a:rPr lang="de-DE" dirty="0"/>
-              <a:t>WhatsApp</a:t>
+              <a:t>Nasser Awad</a:t>
             </a:r>
           </a:p>
           <a:p>
             <a:pPr lvl="1"/>
             <a:r>
               <a:rPr lang="de-DE" dirty="0"/>
-              <a:t>Discord</a:t>
+              <a:t>Germo Götz</a:t>
             </a:r>
           </a:p>
         </p:txBody>
@@ -6353,7 +6756,7 @@
     </p:spTree>
     <p:extLst>
       <p:ext uri="{BB962C8B-B14F-4D97-AF65-F5344CB8AC3E}">
-        <p14:creationId xmlns:p14="http://schemas.microsoft.com/office/powerpoint/2010/main" val="577146934"/>
+        <p14:creationId xmlns:p14="http://schemas.microsoft.com/office/powerpoint/2010/main" val="2582514708"/>
       </p:ext>
     </p:extLst>
   </p:cSld>
@@ -6385,7 +6788,7 @@
           <p:cNvPr id="2" name="Title 1">
             <a:extLst>
               <a:ext uri="{FF2B5EF4-FFF2-40B4-BE49-F238E27FC236}">
-                <a16:creationId xmlns:a16="http://schemas.microsoft.com/office/drawing/2014/main" id="{998D3EA2-5A71-4A0C-8711-505661CE2938}"/>
+                <a16:creationId xmlns:a16="http://schemas.microsoft.com/office/drawing/2014/main" id="{764A962C-8FD6-47E0-BFC0-031775A42A30}"/>
               </a:ext>
             </a:extLst>
           </p:cNvPr>
@@ -6403,7 +6806,7 @@
           <a:p>
             <a:r>
               <a:rPr lang="de-DE" dirty="0"/>
-              <a:t>Projektplanung</a:t>
+              <a:t>Organisation</a:t>
             </a:r>
           </a:p>
         </p:txBody>
@@ -6413,7 +6816,7 @@
           <p:cNvPr id="3" name="Content Placeholder 2">
             <a:extLst>
               <a:ext uri="{FF2B5EF4-FFF2-40B4-BE49-F238E27FC236}">
-                <a16:creationId xmlns:a16="http://schemas.microsoft.com/office/drawing/2014/main" id="{B8C6EC59-DE9E-4684-8734-76384048EB61}"/>
+                <a16:creationId xmlns:a16="http://schemas.microsoft.com/office/drawing/2014/main" id="{C9713579-1CA0-4A85-8D19-E7E8103D4F16}"/>
               </a:ext>
             </a:extLst>
           </p:cNvPr>
@@ -6426,39 +6829,55 @@
         </p:nvSpPr>
         <p:spPr/>
         <p:txBody>
-          <a:bodyPr/>
+          <a:bodyPr>
+            <a:normAutofit lnSpcReduction="10000"/>
+          </a:bodyPr>
           <a:lstStyle/>
           <a:p>
             <a:r>
               <a:rPr lang="de-DE" dirty="0"/>
-              <a:t>2-Wochen Sprints</a:t>
-            </a:r>
-          </a:p>
-          <a:p>
+              <a:t>Projektverwaltung</a:t>
+            </a:r>
+          </a:p>
+          <a:p>
+            <a:pPr lvl="1"/>
             <a:r>
               <a:rPr lang="de-DE" dirty="0"/>
-              <a:t>Teammeetings</a:t>
+              <a:t>Github</a:t>
             </a:r>
           </a:p>
           <a:p>
             <a:pPr lvl="1"/>
             <a:r>
               <a:rPr lang="de-DE" dirty="0"/>
-              <a:t>Vor Sprintbeginn</a:t>
+              <a:t>Jira</a:t>
             </a:r>
           </a:p>
           <a:p>
             <a:pPr lvl="1"/>
             <a:r>
               <a:rPr lang="de-DE" dirty="0"/>
-              <a:t>Mid-Sprint</a:t>
+              <a:t>Google Docs</a:t>
+            </a:r>
+          </a:p>
+          <a:p>
+            <a:r>
+              <a:rPr lang="de-DE" dirty="0"/>
+              <a:t>Kommunikation</a:t>
             </a:r>
           </a:p>
           <a:p>
             <a:pPr lvl="1"/>
             <a:r>
               <a:rPr lang="de-DE" dirty="0"/>
-              <a:t>Vor Sprintende</a:t>
+              <a:t>WhatsApp</a:t>
+            </a:r>
+          </a:p>
+          <a:p>
+            <a:pPr lvl="1"/>
+            <a:r>
+              <a:rPr lang="de-DE" dirty="0"/>
+              <a:t>Discord</a:t>
             </a:r>
           </a:p>
         </p:txBody>
@@ -6466,7 +6885,7 @@
     </p:spTree>
     <p:extLst>
       <p:ext uri="{BB962C8B-B14F-4D97-AF65-F5344CB8AC3E}">
-        <p14:creationId xmlns:p14="http://schemas.microsoft.com/office/powerpoint/2010/main" val="2455185108"/>
+        <p14:creationId xmlns:p14="http://schemas.microsoft.com/office/powerpoint/2010/main" val="577146934"/>
       </p:ext>
     </p:extLst>
   </p:cSld>
@@ -6498,7 +6917,7 @@
           <p:cNvPr id="2" name="Title 1">
             <a:extLst>
               <a:ext uri="{FF2B5EF4-FFF2-40B4-BE49-F238E27FC236}">
-                <a16:creationId xmlns:a16="http://schemas.microsoft.com/office/drawing/2014/main" id="{83412A02-57C4-4517-8685-E2841337C1D5}"/>
+                <a16:creationId xmlns:a16="http://schemas.microsoft.com/office/drawing/2014/main" id="{998D3EA2-5A71-4A0C-8711-505661CE2938}"/>
               </a:ext>
             </a:extLst>
           </p:cNvPr>
@@ -6516,7 +6935,7 @@
           <a:p>
             <a:r>
               <a:rPr lang="de-DE" dirty="0"/>
-              <a:t>Herausforderungen</a:t>
+              <a:t>Projektplanung</a:t>
             </a:r>
           </a:p>
         </p:txBody>
@@ -6526,7 +6945,7 @@
           <p:cNvPr id="3" name="Content Placeholder 2">
             <a:extLst>
               <a:ext uri="{FF2B5EF4-FFF2-40B4-BE49-F238E27FC236}">
-                <a16:creationId xmlns:a16="http://schemas.microsoft.com/office/drawing/2014/main" id="{DEFC2101-9A9E-4A02-BB5F-A5259E7FA9BE}"/>
+                <a16:creationId xmlns:a16="http://schemas.microsoft.com/office/drawing/2014/main" id="{B8C6EC59-DE9E-4684-8734-76384048EB61}"/>
               </a:ext>
             </a:extLst>
           </p:cNvPr>
@@ -6544,13 +6963,34 @@
           <a:p>
             <a:r>
               <a:rPr lang="de-DE" dirty="0"/>
-              <a:t>Arbeit mit VR – Limitierte Anzahl an VR-Brillen</a:t>
+              <a:t>2-Wochen Sprints</a:t>
             </a:r>
           </a:p>
           <a:p>
             <a:r>
               <a:rPr lang="de-DE" dirty="0"/>
-              <a:t>Keine realen Treffen möglich</a:t>
+              <a:t>Teammeetings</a:t>
+            </a:r>
+          </a:p>
+          <a:p>
+            <a:pPr lvl="1"/>
+            <a:r>
+              <a:rPr lang="de-DE" dirty="0"/>
+              <a:t>Vor Sprintbeginn</a:t>
+            </a:r>
+          </a:p>
+          <a:p>
+            <a:pPr lvl="1"/>
+            <a:r>
+              <a:rPr lang="de-DE" dirty="0"/>
+              <a:t>Mid-Sprint</a:t>
+            </a:r>
+          </a:p>
+          <a:p>
+            <a:pPr lvl="1"/>
+            <a:r>
+              <a:rPr lang="de-DE" dirty="0"/>
+              <a:t>Vor Sprintende</a:t>
             </a:r>
           </a:p>
         </p:txBody>
@@ -6558,7 +6998,7 @@
     </p:spTree>
     <p:extLst>
       <p:ext uri="{BB962C8B-B14F-4D97-AF65-F5344CB8AC3E}">
-        <p14:creationId xmlns:p14="http://schemas.microsoft.com/office/powerpoint/2010/main" val="929906692"/>
+        <p14:creationId xmlns:p14="http://schemas.microsoft.com/office/powerpoint/2010/main" val="2455185108"/>
       </p:ext>
     </p:extLst>
   </p:cSld>
@@ -6590,7 +7030,7 @@
           <p:cNvPr id="2" name="Title 1">
             <a:extLst>
               <a:ext uri="{FF2B5EF4-FFF2-40B4-BE49-F238E27FC236}">
-                <a16:creationId xmlns:a16="http://schemas.microsoft.com/office/drawing/2014/main" id="{64D53A4A-1573-4671-B2EB-A3E52524F6A5}"/>
+                <a16:creationId xmlns:a16="http://schemas.microsoft.com/office/drawing/2014/main" id="{83412A02-57C4-4517-8685-E2841337C1D5}"/>
               </a:ext>
             </a:extLst>
           </p:cNvPr>
@@ -6608,7 +7048,7 @@
           <a:p>
             <a:r>
               <a:rPr lang="de-DE" dirty="0"/>
-              <a:t>Arbeitsschwerpunkte</a:t>
+              <a:t>Herausforderungen</a:t>
             </a:r>
           </a:p>
         </p:txBody>
@@ -6618,7 +7058,7 @@
           <p:cNvPr id="3" name="Content Placeholder 2">
             <a:extLst>
               <a:ext uri="{FF2B5EF4-FFF2-40B4-BE49-F238E27FC236}">
-                <a16:creationId xmlns:a16="http://schemas.microsoft.com/office/drawing/2014/main" id="{F32AB8D0-56DA-4571-A35F-E194A1672A04}"/>
+                <a16:creationId xmlns:a16="http://schemas.microsoft.com/office/drawing/2014/main" id="{DEFC2101-9A9E-4A02-BB5F-A5259E7FA9BE}"/>
               </a:ext>
             </a:extLst>
           </p:cNvPr>
@@ -6634,14 +7074,29 @@
           <a:bodyPr/>
           <a:lstStyle/>
           <a:p>
-            <a:endParaRPr lang="de-DE"/>
+            <a:r>
+              <a:rPr lang="de-DE" dirty="0"/>
+              <a:t>Arbeit mit VR – Limitierte Anzahl an VR-Brillen</a:t>
+            </a:r>
+          </a:p>
+          <a:p>
+            <a:r>
+              <a:rPr lang="de-DE" dirty="0"/>
+              <a:t>Keine realen Treffen möglich</a:t>
+            </a:r>
+          </a:p>
+          <a:p>
+            <a:r>
+              <a:rPr lang="de-DE" dirty="0"/>
+              <a:t>Als Team einspielen (Schwächen/Stärken)</a:t>
+            </a:r>
           </a:p>
         </p:txBody>
       </p:sp>
     </p:spTree>
     <p:extLst>
       <p:ext uri="{BB962C8B-B14F-4D97-AF65-F5344CB8AC3E}">
-        <p14:creationId xmlns:p14="http://schemas.microsoft.com/office/powerpoint/2010/main" val="3998792317"/>
+        <p14:creationId xmlns:p14="http://schemas.microsoft.com/office/powerpoint/2010/main" val="929906692"/>
       </p:ext>
     </p:extLst>
   </p:cSld>
@@ -6673,7 +7128,7 @@
           <p:cNvPr id="2" name="Title 1">
             <a:extLst>
               <a:ext uri="{FF2B5EF4-FFF2-40B4-BE49-F238E27FC236}">
-                <a16:creationId xmlns:a16="http://schemas.microsoft.com/office/drawing/2014/main" id="{BCD70E67-47C3-4FC7-9E14-7C223507EE5C}"/>
+                <a16:creationId xmlns:a16="http://schemas.microsoft.com/office/drawing/2014/main" id="{64D53A4A-1573-4671-B2EB-A3E52524F6A5}"/>
               </a:ext>
             </a:extLst>
           </p:cNvPr>
@@ -6691,7 +7146,7 @@
           <a:p>
             <a:r>
               <a:rPr lang="de-DE" dirty="0"/>
-              <a:t>Fazit</a:t>
+              <a:t>Arbeitsschwerpunkte</a:t>
             </a:r>
           </a:p>
         </p:txBody>
@@ -6701,7 +7156,7 @@
           <p:cNvPr id="3" name="Content Placeholder 2">
             <a:extLst>
               <a:ext uri="{FF2B5EF4-FFF2-40B4-BE49-F238E27FC236}">
-                <a16:creationId xmlns:a16="http://schemas.microsoft.com/office/drawing/2014/main" id="{BA06D859-D96B-45B6-AA51-747CFD8BA496}"/>
+                <a16:creationId xmlns:a16="http://schemas.microsoft.com/office/drawing/2014/main" id="{F32AB8D0-56DA-4571-A35F-E194A1672A04}"/>
               </a:ext>
             </a:extLst>
           </p:cNvPr>
@@ -6719,14 +7174,34 @@
           <a:p>
             <a:r>
               <a:rPr lang="de-DE" dirty="0"/>
-              <a:t>Konsequentere Arbeitsweise als Team</a:t>
-            </a:r>
-          </a:p>
-          <a:p>
-            <a:r>
-              <a:rPr lang="de-DE"/>
-              <a:t>Häufigere Kommunikation im Team</a:t>
-            </a:r>
+              <a:t>Germo Götz</a:t>
+            </a:r>
+          </a:p>
+          <a:p>
+            <a:r>
+              <a:rPr lang="de-DE" dirty="0"/>
+              <a:t>Jan Krebes</a:t>
+            </a:r>
+          </a:p>
+          <a:p>
+            <a:r>
+              <a:rPr lang="de-DE" dirty="0"/>
+              <a:t>Nicolai Titze</a:t>
+            </a:r>
+          </a:p>
+          <a:p>
+            <a:r>
+              <a:rPr lang="de-DE" dirty="0"/>
+              <a:t>Nasser Awad</a:t>
+            </a:r>
+          </a:p>
+          <a:p>
+            <a:r>
+              <a:rPr lang="de-DE" dirty="0"/>
+              <a:t>Sascha Wickramasinghe</a:t>
+            </a:r>
+          </a:p>
+          <a:p>
             <a:endParaRPr lang="de-DE" dirty="0"/>
           </a:p>
         </p:txBody>
@@ -6734,7 +7209,353 @@
     </p:spTree>
     <p:extLst>
       <p:ext uri="{BB962C8B-B14F-4D97-AF65-F5344CB8AC3E}">
-        <p14:creationId xmlns:p14="http://schemas.microsoft.com/office/powerpoint/2010/main" val="584069063"/>
+        <p14:creationId xmlns:p14="http://schemas.microsoft.com/office/powerpoint/2010/main" val="3998792317"/>
+      </p:ext>
+    </p:extLst>
+  </p:cSld>
+  <p:clrMapOvr>
+    <a:masterClrMapping/>
+  </p:clrMapOvr>
+</p:sld>
+</file>
+
+<file path=ppt/slides/slide7.xml><?xml version="1.0" encoding="utf-8"?>
+<p:sld xmlns:a="http://schemas.openxmlformats.org/drawingml/2006/main" xmlns:r="http://schemas.openxmlformats.org/officeDocument/2006/relationships" xmlns:p="http://schemas.openxmlformats.org/presentationml/2006/main">
+  <p:cSld>
+    <p:spTree>
+      <p:nvGrpSpPr>
+        <p:cNvPr id="1" name=""/>
+        <p:cNvGrpSpPr/>
+        <p:nvPr/>
+      </p:nvGrpSpPr>
+      <p:grpSpPr>
+        <a:xfrm>
+          <a:off x="0" y="0"/>
+          <a:ext cx="0" cy="0"/>
+          <a:chOff x="0" y="0"/>
+          <a:chExt cx="0" cy="0"/>
+        </a:xfrm>
+      </p:grpSpPr>
+      <p:sp>
+        <p:nvSpPr>
+          <p:cNvPr id="2" name="Title 1">
+            <a:extLst>
+              <a:ext uri="{FF2B5EF4-FFF2-40B4-BE49-F238E27FC236}">
+                <a16:creationId xmlns:a16="http://schemas.microsoft.com/office/drawing/2014/main" id="{EF744629-6D11-4F23-8A36-7D3DB038275C}"/>
+              </a:ext>
+            </a:extLst>
+          </p:cNvPr>
+          <p:cNvSpPr>
+            <a:spLocks noGrp="1"/>
+          </p:cNvSpPr>
+          <p:nvPr>
+            <p:ph type="title"/>
+          </p:nvPr>
+        </p:nvSpPr>
+        <p:spPr/>
+        <p:txBody>
+          <a:bodyPr/>
+          <a:lstStyle/>
+          <a:p>
+            <a:r>
+              <a:rPr lang="de-DE" dirty="0"/>
+              <a:t>Germo Götz</a:t>
+            </a:r>
+          </a:p>
+        </p:txBody>
+      </p:sp>
+      <p:sp>
+        <p:nvSpPr>
+          <p:cNvPr id="3" name="Content Placeholder 2">
+            <a:extLst>
+              <a:ext uri="{FF2B5EF4-FFF2-40B4-BE49-F238E27FC236}">
+                <a16:creationId xmlns:a16="http://schemas.microsoft.com/office/drawing/2014/main" id="{77D16C57-CBA2-43A2-BD6A-2A42F268D178}"/>
+              </a:ext>
+            </a:extLst>
+          </p:cNvPr>
+          <p:cNvSpPr>
+            <a:spLocks noGrp="1"/>
+          </p:cNvSpPr>
+          <p:nvPr>
+            <p:ph idx="1"/>
+          </p:nvPr>
+        </p:nvSpPr>
+        <p:spPr/>
+        <p:txBody>
+          <a:bodyPr/>
+          <a:lstStyle/>
+          <a:p>
+            <a:r>
+              <a:rPr lang="de-DE" dirty="0"/>
+              <a:t>Scrum Master</a:t>
+            </a:r>
+          </a:p>
+          <a:p>
+            <a:r>
+              <a:rPr lang="de-DE" dirty="0"/>
+              <a:t>Design Stationsmodelle</a:t>
+            </a:r>
+          </a:p>
+          <a:p>
+            <a:r>
+              <a:rPr lang="de-DE" dirty="0"/>
+              <a:t>Stationen erstellen</a:t>
+            </a:r>
+          </a:p>
+          <a:p>
+            <a:r>
+              <a:rPr lang="de-DE" dirty="0"/>
+              <a:t>Bug mit VR Controllern</a:t>
+            </a:r>
+          </a:p>
+        </p:txBody>
+      </p:sp>
+    </p:spTree>
+    <p:extLst>
+      <p:ext uri="{BB962C8B-B14F-4D97-AF65-F5344CB8AC3E}">
+        <p14:creationId xmlns:p14="http://schemas.microsoft.com/office/powerpoint/2010/main" val="592725166"/>
+      </p:ext>
+    </p:extLst>
+  </p:cSld>
+  <p:clrMapOvr>
+    <a:masterClrMapping/>
+  </p:clrMapOvr>
+</p:sld>
+</file>
+
+<file path=ppt/slides/slide8.xml><?xml version="1.0" encoding="utf-8"?>
+<p:sld xmlns:a="http://schemas.openxmlformats.org/drawingml/2006/main" xmlns:r="http://schemas.openxmlformats.org/officeDocument/2006/relationships" xmlns:p="http://schemas.openxmlformats.org/presentationml/2006/main">
+  <p:cSld>
+    <p:spTree>
+      <p:nvGrpSpPr>
+        <p:cNvPr id="1" name=""/>
+        <p:cNvGrpSpPr/>
+        <p:nvPr/>
+      </p:nvGrpSpPr>
+      <p:grpSpPr>
+        <a:xfrm>
+          <a:off x="0" y="0"/>
+          <a:ext cx="0" cy="0"/>
+          <a:chOff x="0" y="0"/>
+          <a:chExt cx="0" cy="0"/>
+        </a:xfrm>
+      </p:grpSpPr>
+      <p:sp>
+        <p:nvSpPr>
+          <p:cNvPr id="2" name="Title 1">
+            <a:extLst>
+              <a:ext uri="{FF2B5EF4-FFF2-40B4-BE49-F238E27FC236}">
+                <a16:creationId xmlns:a16="http://schemas.microsoft.com/office/drawing/2014/main" id="{F1A369C6-AEDB-46FB-9DE4-A22CAB87C620}"/>
+              </a:ext>
+            </a:extLst>
+          </p:cNvPr>
+          <p:cNvSpPr>
+            <a:spLocks noGrp="1"/>
+          </p:cNvSpPr>
+          <p:nvPr>
+            <p:ph type="title"/>
+          </p:nvPr>
+        </p:nvSpPr>
+        <p:spPr/>
+        <p:txBody>
+          <a:bodyPr/>
+          <a:lstStyle/>
+          <a:p>
+            <a:r>
+              <a:rPr lang="de-DE" dirty="0"/>
+              <a:t>Jan Krebes</a:t>
+            </a:r>
+          </a:p>
+        </p:txBody>
+      </p:sp>
+      <p:sp>
+        <p:nvSpPr>
+          <p:cNvPr id="3" name="Content Placeholder 2">
+            <a:extLst>
+              <a:ext uri="{FF2B5EF4-FFF2-40B4-BE49-F238E27FC236}">
+                <a16:creationId xmlns:a16="http://schemas.microsoft.com/office/drawing/2014/main" id="{8D5CF406-D52B-4A6E-A50C-3335D1522CE1}"/>
+              </a:ext>
+            </a:extLst>
+          </p:cNvPr>
+          <p:cNvSpPr>
+            <a:spLocks noGrp="1"/>
+          </p:cNvSpPr>
+          <p:nvPr>
+            <p:ph idx="1"/>
+          </p:nvPr>
+        </p:nvSpPr>
+        <p:spPr/>
+        <p:txBody>
+          <a:bodyPr>
+            <a:normAutofit fontScale="85000" lnSpcReduction="20000"/>
+          </a:bodyPr>
+          <a:lstStyle/>
+          <a:p>
+            <a:r>
+              <a:rPr lang="de-DE" dirty="0"/>
+              <a:t>Integration von SteamVR</a:t>
+            </a:r>
+          </a:p>
+          <a:p>
+            <a:r>
+              <a:rPr lang="de-DE" dirty="0"/>
+              <a:t>Datenmodell</a:t>
+            </a:r>
+          </a:p>
+          <a:p>
+            <a:r>
+              <a:rPr lang="de-DE" dirty="0"/>
+              <a:t>Teleportation und greifen von Objekten</a:t>
+            </a:r>
+          </a:p>
+          <a:p>
+            <a:r>
+              <a:rPr lang="de-DE" dirty="0"/>
+              <a:t>Interaktion mit UI Elementen</a:t>
+            </a:r>
+          </a:p>
+          <a:p>
+            <a:r>
+              <a:rPr lang="de-DE" dirty="0"/>
+              <a:t>Teileauswahl am Modell</a:t>
+            </a:r>
+          </a:p>
+          <a:p>
+            <a:r>
+              <a:rPr lang="de-DE" dirty="0"/>
+              <a:t>Platzieren von erstellten Stationen</a:t>
+            </a:r>
+          </a:p>
+          <a:p>
+            <a:r>
+              <a:rPr lang="de-DE" dirty="0"/>
+              <a:t>Zusammenbau der Bauteile an Stationen</a:t>
+            </a:r>
+          </a:p>
+          <a:p>
+            <a:r>
+              <a:rPr lang="de-DE" dirty="0"/>
+              <a:t>Anzeige von Bauteilen vorheriger Stationen</a:t>
+            </a:r>
+          </a:p>
+        </p:txBody>
+      </p:sp>
+    </p:spTree>
+    <p:extLst>
+      <p:ext uri="{BB962C8B-B14F-4D97-AF65-F5344CB8AC3E}">
+        <p14:creationId xmlns:p14="http://schemas.microsoft.com/office/powerpoint/2010/main" val="2495868739"/>
+      </p:ext>
+    </p:extLst>
+  </p:cSld>
+  <p:clrMapOvr>
+    <a:masterClrMapping/>
+  </p:clrMapOvr>
+</p:sld>
+</file>
+
+<file path=ppt/slides/slide9.xml><?xml version="1.0" encoding="utf-8"?>
+<p:sld xmlns:a="http://schemas.openxmlformats.org/drawingml/2006/main" xmlns:r="http://schemas.openxmlformats.org/officeDocument/2006/relationships" xmlns:p="http://schemas.openxmlformats.org/presentationml/2006/main">
+  <p:cSld>
+    <p:spTree>
+      <p:nvGrpSpPr>
+        <p:cNvPr id="1" name=""/>
+        <p:cNvGrpSpPr/>
+        <p:nvPr/>
+      </p:nvGrpSpPr>
+      <p:grpSpPr>
+        <a:xfrm>
+          <a:off x="0" y="0"/>
+          <a:ext cx="0" cy="0"/>
+          <a:chOff x="0" y="0"/>
+          <a:chExt cx="0" cy="0"/>
+        </a:xfrm>
+      </p:grpSpPr>
+      <p:sp>
+        <p:nvSpPr>
+          <p:cNvPr id="2" name="Title 1">
+            <a:extLst>
+              <a:ext uri="{FF2B5EF4-FFF2-40B4-BE49-F238E27FC236}">
+                <a16:creationId xmlns:a16="http://schemas.microsoft.com/office/drawing/2014/main" id="{7E0937F3-B3B2-46A9-84C6-65E3589D2C5D}"/>
+              </a:ext>
+            </a:extLst>
+          </p:cNvPr>
+          <p:cNvSpPr>
+            <a:spLocks noGrp="1"/>
+          </p:cNvSpPr>
+          <p:nvPr>
+            <p:ph type="title"/>
+          </p:nvPr>
+        </p:nvSpPr>
+        <p:spPr/>
+        <p:txBody>
+          <a:bodyPr/>
+          <a:lstStyle/>
+          <a:p>
+            <a:r>
+              <a:rPr lang="de-DE" dirty="0"/>
+              <a:t>Nicolai Titze</a:t>
+            </a:r>
+          </a:p>
+        </p:txBody>
+      </p:sp>
+      <p:sp>
+        <p:nvSpPr>
+          <p:cNvPr id="3" name="Content Placeholder 2">
+            <a:extLst>
+              <a:ext uri="{FF2B5EF4-FFF2-40B4-BE49-F238E27FC236}">
+                <a16:creationId xmlns:a16="http://schemas.microsoft.com/office/drawing/2014/main" id="{3D3933FE-155F-406D-98CD-5BFABC5A4717}"/>
+              </a:ext>
+            </a:extLst>
+          </p:cNvPr>
+          <p:cNvSpPr>
+            <a:spLocks noGrp="1"/>
+          </p:cNvSpPr>
+          <p:nvPr>
+            <p:ph idx="1"/>
+          </p:nvPr>
+        </p:nvSpPr>
+        <p:spPr/>
+        <p:txBody>
+          <a:bodyPr/>
+          <a:lstStyle/>
+          <a:p>
+            <a:r>
+              <a:rPr lang="de-DE" dirty="0"/>
+              <a:t>UI Elemente</a:t>
+            </a:r>
+          </a:p>
+          <a:p>
+            <a:pPr lvl="1"/>
+            <a:r>
+              <a:rPr lang="de-DE" dirty="0"/>
+              <a:t>Partpicker Listen</a:t>
+            </a:r>
+          </a:p>
+          <a:p>
+            <a:pPr lvl="1"/>
+            <a:r>
+              <a:rPr lang="de-DE" dirty="0"/>
+              <a:t>Stationen auswählen</a:t>
+            </a:r>
+          </a:p>
+          <a:p>
+            <a:r>
+              <a:rPr lang="de-DE" dirty="0"/>
+              <a:t>Gestaltung der Umgebung</a:t>
+            </a:r>
+          </a:p>
+          <a:p>
+            <a:r>
+              <a:rPr lang="de-DE" dirty="0"/>
+              <a:t>Spawnen der Stationen</a:t>
+            </a:r>
+          </a:p>
+        </p:txBody>
+      </p:sp>
+    </p:spTree>
+    <p:extLst>
+      <p:ext uri="{BB962C8B-B14F-4D97-AF65-F5344CB8AC3E}">
+        <p14:creationId xmlns:p14="http://schemas.microsoft.com/office/powerpoint/2010/main" val="1514331177"/>
       </p:ext>
     </p:extLst>
   </p:cSld>
